--- a/doc/Grupo 4, Sistema de Control de Inventarios.pptx
+++ b/doc/Grupo 4, Sistema de Control de Inventarios.pptx
@@ -10,6 +10,7 @@
     <p:sldId id="258" r:id="rId4"/>
     <p:sldId id="259" r:id="rId5"/>
     <p:sldId id="260" r:id="rId6"/>
+    <p:sldId id="261" r:id="rId7"/>
   </p:sldIdLst>
   <p:sldSz cx="12192000" cy="6858000"/>
   <p:notesSz cx="6858000" cy="9144000"/>
@@ -8617,6 +8618,138 @@
 </p:sld>
 </file>
 
+<file path=ppt/slides/slide6.xml><?xml version="1.0" encoding="utf-8"?>
+<p:sld xmlns:a="http://schemas.openxmlformats.org/drawingml/2006/main" xmlns:r="http://schemas.openxmlformats.org/officeDocument/2006/relationships" xmlns:p="http://schemas.openxmlformats.org/presentationml/2006/main">
+  <p:cSld>
+    <p:spTree>
+      <p:nvGrpSpPr>
+        <p:cNvPr id="1" name=""/>
+        <p:cNvGrpSpPr/>
+        <p:nvPr/>
+      </p:nvGrpSpPr>
+      <p:grpSpPr>
+        <a:xfrm>
+          <a:off x="0" y="0"/>
+          <a:ext cx="0" cy="0"/>
+          <a:chOff x="0" y="0"/>
+          <a:chExt cx="0" cy="0"/>
+        </a:xfrm>
+      </p:grpSpPr>
+      <p:sp>
+        <p:nvSpPr>
+          <p:cNvPr id="2" name="Título 1">
+            <a:extLst>
+              <a:ext uri="{FF2B5EF4-FFF2-40B4-BE49-F238E27FC236}">
+                <a16:creationId xmlns:a16="http://schemas.microsoft.com/office/drawing/2014/main" id="{2879F2AE-BB53-E89D-7280-45C1ECA51F5D}"/>
+              </a:ext>
+            </a:extLst>
+          </p:cNvPr>
+          <p:cNvSpPr>
+            <a:spLocks noGrp="1"/>
+          </p:cNvSpPr>
+          <p:nvPr>
+            <p:ph type="title"/>
+          </p:nvPr>
+        </p:nvSpPr>
+        <p:spPr/>
+        <p:txBody>
+          <a:bodyPr/>
+          <a:lstStyle/>
+          <a:p>
+            <a:r>
+              <a:rPr lang="es-PE" b="1" dirty="0"/>
+              <a:t>Sistema de Control de Inventarios</a:t>
+            </a:r>
+            <a:endParaRPr lang="es-PE" dirty="0"/>
+          </a:p>
+        </p:txBody>
+      </p:sp>
+      <p:sp>
+        <p:nvSpPr>
+          <p:cNvPr id="3" name="Marcador de contenido 2">
+            <a:extLst>
+              <a:ext uri="{FF2B5EF4-FFF2-40B4-BE49-F238E27FC236}">
+                <a16:creationId xmlns:a16="http://schemas.microsoft.com/office/drawing/2014/main" id="{BF84D0E4-C04A-BCDF-B068-3CA4AB9FC0A6}"/>
+              </a:ext>
+            </a:extLst>
+          </p:cNvPr>
+          <p:cNvSpPr>
+            <a:spLocks noGrp="1"/>
+          </p:cNvSpPr>
+          <p:nvPr>
+            <p:ph idx="1"/>
+          </p:nvPr>
+        </p:nvSpPr>
+        <p:spPr>
+          <a:xfrm>
+            <a:off x="1358283" y="1697183"/>
+            <a:ext cx="8915400" cy="3777622"/>
+          </a:xfrm>
+        </p:spPr>
+        <p:txBody>
+          <a:bodyPr>
+            <a:normAutofit/>
+          </a:bodyPr>
+          <a:lstStyle/>
+          <a:p>
+            <a:r>
+              <a:rPr lang="es-PE" sz="2400" b="1" dirty="0">
+                <a:latin typeface="Aptos" panose="020B0004020202020204" pitchFamily="34" charset="0"/>
+              </a:rPr>
+              <a:t>Base de Datos:</a:t>
+            </a:r>
+          </a:p>
+        </p:txBody>
+      </p:sp>
+      <p:pic>
+        <p:nvPicPr>
+          <p:cNvPr id="5" name="Imagen 4" descr="Diagrama&#10;&#10;Descripción generada automáticamente">
+            <a:extLst>
+              <a:ext uri="{FF2B5EF4-FFF2-40B4-BE49-F238E27FC236}">
+                <a16:creationId xmlns:a16="http://schemas.microsoft.com/office/drawing/2014/main" id="{6065A4EA-0431-3E9A-A222-76D42F5E9F64}"/>
+              </a:ext>
+            </a:extLst>
+          </p:cNvPr>
+          <p:cNvPicPr>
+            <a:picLocks noChangeAspect="1"/>
+          </p:cNvPicPr>
+          <p:nvPr/>
+        </p:nvPicPr>
+        <p:blipFill>
+          <a:blip r:embed="rId2">
+            <a:extLst>
+              <a:ext uri="{28A0092B-C50C-407E-A947-70E740481C1C}">
+                <a14:useLocalDpi xmlns:a14="http://schemas.microsoft.com/office/drawing/2010/main" val="0"/>
+              </a:ext>
+            </a:extLst>
+          </a:blip>
+          <a:stretch>
+            <a:fillRect/>
+          </a:stretch>
+        </p:blipFill>
+        <p:spPr>
+          <a:xfrm>
+            <a:off x="4131134" y="1264555"/>
+            <a:ext cx="7651342" cy="5370240"/>
+          </a:xfrm>
+          <a:prstGeom prst="rect">
+            <a:avLst/>
+          </a:prstGeom>
+        </p:spPr>
+      </p:pic>
+    </p:spTree>
+    <p:extLst>
+      <p:ext uri="{BB962C8B-B14F-4D97-AF65-F5344CB8AC3E}">
+        <p14:creationId xmlns:p14="http://schemas.microsoft.com/office/powerpoint/2010/main" val="1003654645"/>
+      </p:ext>
+    </p:extLst>
+  </p:cSld>
+  <p:clrMapOvr>
+    <a:masterClrMapping/>
+  </p:clrMapOvr>
+</p:sld>
+</file>
+
 <file path=ppt/theme/theme1.xml><?xml version="1.0" encoding="utf-8"?>
 <a:theme xmlns:a="http://schemas.openxmlformats.org/drawingml/2006/main" name="Espiral">
   <a:themeElements>

--- a/doc/Grupo 4, Sistema de Control de Inventarios.pptx
+++ b/doc/Grupo 4, Sistema de Control de Inventarios.pptx
@@ -305,7 +305,7 @@
           <a:p>
             <a:fld id="{91046BC0-DF53-4F10-94E4-764998449655}" type="datetimeFigureOut">
               <a:rPr lang="es-PE" smtClean="0"/>
-              <a:t>17/11/2024</a:t>
+              <a:t>18/11/2024</a:t>
             </a:fld>
             <a:endParaRPr lang="es-PE"/>
           </a:p>
@@ -643,7 +643,7 @@
           <a:p>
             <a:fld id="{91046BC0-DF53-4F10-94E4-764998449655}" type="datetimeFigureOut">
               <a:rPr lang="es-PE" smtClean="0"/>
-              <a:t>17/11/2024</a:t>
+              <a:t>18/11/2024</a:t>
             </a:fld>
             <a:endParaRPr lang="es-PE"/>
           </a:p>
@@ -1044,7 +1044,7 @@
           <a:p>
             <a:fld id="{91046BC0-DF53-4F10-94E4-764998449655}" type="datetimeFigureOut">
               <a:rPr lang="es-PE" smtClean="0"/>
-              <a:t>17/11/2024</a:t>
+              <a:t>18/11/2024</a:t>
             </a:fld>
             <a:endParaRPr lang="es-PE"/>
           </a:p>
@@ -1380,7 +1380,7 @@
           <a:p>
             <a:fld id="{91046BC0-DF53-4F10-94E4-764998449655}" type="datetimeFigureOut">
               <a:rPr lang="es-PE" smtClean="0"/>
-              <a:t>17/11/2024</a:t>
+              <a:t>18/11/2024</a:t>
             </a:fld>
             <a:endParaRPr lang="es-PE"/>
           </a:p>
@@ -1700,7 +1700,7 @@
           <a:p>
             <a:fld id="{91046BC0-DF53-4F10-94E4-764998449655}" type="datetimeFigureOut">
               <a:rPr lang="es-PE" smtClean="0"/>
-              <a:t>17/11/2024</a:t>
+              <a:t>18/11/2024</a:t>
             </a:fld>
             <a:endParaRPr lang="es-PE"/>
           </a:p>
@@ -2096,7 +2096,7 @@
           <a:p>
             <a:fld id="{91046BC0-DF53-4F10-94E4-764998449655}" type="datetimeFigureOut">
               <a:rPr lang="es-PE" smtClean="0"/>
-              <a:t>17/11/2024</a:t>
+              <a:t>18/11/2024</a:t>
             </a:fld>
             <a:endParaRPr lang="es-PE"/>
           </a:p>
@@ -2353,7 +2353,7 @@
           <a:p>
             <a:fld id="{91046BC0-DF53-4F10-94E4-764998449655}" type="datetimeFigureOut">
               <a:rPr lang="es-PE" smtClean="0"/>
-              <a:t>17/11/2024</a:t>
+              <a:t>18/11/2024</a:t>
             </a:fld>
             <a:endParaRPr lang="es-PE"/>
           </a:p>
@@ -2615,7 +2615,7 @@
           <a:p>
             <a:fld id="{91046BC0-DF53-4F10-94E4-764998449655}" type="datetimeFigureOut">
               <a:rPr lang="es-PE" smtClean="0"/>
-              <a:t>17/11/2024</a:t>
+              <a:t>18/11/2024</a:t>
             </a:fld>
             <a:endParaRPr lang="es-PE"/>
           </a:p>
@@ -2877,7 +2877,7 @@
           <a:p>
             <a:fld id="{91046BC0-DF53-4F10-94E4-764998449655}" type="datetimeFigureOut">
               <a:rPr lang="es-PE" smtClean="0"/>
-              <a:t>17/11/2024</a:t>
+              <a:t>18/11/2024</a:t>
             </a:fld>
             <a:endParaRPr lang="es-PE"/>
           </a:p>
@@ -3206,7 +3206,7 @@
           <a:p>
             <a:fld id="{91046BC0-DF53-4F10-94E4-764998449655}" type="datetimeFigureOut">
               <a:rPr lang="es-PE" smtClean="0"/>
-              <a:t>17/11/2024</a:t>
+              <a:t>18/11/2024</a:t>
             </a:fld>
             <a:endParaRPr lang="es-PE"/>
           </a:p>
@@ -3529,7 +3529,7 @@
           <a:p>
             <a:fld id="{91046BC0-DF53-4F10-94E4-764998449655}" type="datetimeFigureOut">
               <a:rPr lang="es-PE" smtClean="0"/>
-              <a:t>17/11/2024</a:t>
+              <a:t>18/11/2024</a:t>
             </a:fld>
             <a:endParaRPr lang="es-PE"/>
           </a:p>
@@ -3986,7 +3986,7 @@
           <a:p>
             <a:fld id="{91046BC0-DF53-4F10-94E4-764998449655}" type="datetimeFigureOut">
               <a:rPr lang="es-PE" smtClean="0"/>
-              <a:t>17/11/2024</a:t>
+              <a:t>18/11/2024</a:t>
             </a:fld>
             <a:endParaRPr lang="es-PE"/>
           </a:p>
@@ -4191,7 +4191,7 @@
           <a:p>
             <a:fld id="{91046BC0-DF53-4F10-94E4-764998449655}" type="datetimeFigureOut">
               <a:rPr lang="es-PE" smtClean="0"/>
-              <a:t>17/11/2024</a:t>
+              <a:t>18/11/2024</a:t>
             </a:fld>
             <a:endParaRPr lang="es-PE"/>
           </a:p>
@@ -4368,7 +4368,7 @@
           <a:p>
             <a:fld id="{91046BC0-DF53-4F10-94E4-764998449655}" type="datetimeFigureOut">
               <a:rPr lang="es-PE" smtClean="0"/>
-              <a:t>17/11/2024</a:t>
+              <a:t>18/11/2024</a:t>
             </a:fld>
             <a:endParaRPr lang="es-PE"/>
           </a:p>
@@ -4701,7 +4701,7 @@
           <a:p>
             <a:fld id="{91046BC0-DF53-4F10-94E4-764998449655}" type="datetimeFigureOut">
               <a:rPr lang="es-PE" smtClean="0"/>
-              <a:t>17/11/2024</a:t>
+              <a:t>18/11/2024</a:t>
             </a:fld>
             <a:endParaRPr lang="es-PE"/>
           </a:p>
@@ -5046,7 +5046,7 @@
           <a:p>
             <a:fld id="{91046BC0-DF53-4F10-94E4-764998449655}" type="datetimeFigureOut">
               <a:rPr lang="es-PE" smtClean="0"/>
-              <a:t>17/11/2024</a:t>
+              <a:t>18/11/2024</a:t>
             </a:fld>
             <a:endParaRPr lang="es-PE"/>
           </a:p>
@@ -7163,7 +7163,7 @@
           <a:p>
             <a:fld id="{91046BC0-DF53-4F10-94E4-764998449655}" type="datetimeFigureOut">
               <a:rPr lang="es-PE" smtClean="0"/>
-              <a:t>17/11/2024</a:t>
+              <a:t>18/11/2024</a:t>
             </a:fld>
             <a:endParaRPr lang="es-PE"/>
           </a:p>
@@ -8106,7 +8106,7 @@
         <p:spPr/>
         <p:txBody>
           <a:bodyPr>
-            <a:normAutofit lnSpcReduction="10000"/>
+            <a:normAutofit/>
           </a:bodyPr>
           <a:lstStyle/>
           <a:p>
@@ -8163,36 +8163,6 @@
               </a:rPr>
               <a:t>El valor total del inventario en el almacén</a:t>
             </a:r>
-            <a:endParaRPr lang="es-PE" sz="1800" dirty="0">
-              <a:effectLst/>
-              <a:latin typeface="Aptos" panose="020B0004020202020204" pitchFamily="34" charset="0"/>
-              <a:ea typeface="Times New Roman" panose="02020603050405020304" pitchFamily="18" charset="0"/>
-              <a:cs typeface="Times New Roman" panose="02020603050405020304" pitchFamily="18" charset="0"/>
-            </a:endParaRPr>
-          </a:p>
-          <a:p>
-            <a:r>
-              <a:rPr lang="es-PE" sz="1800" b="1" dirty="0">
-                <a:effectLst/>
-                <a:latin typeface="Aptos" panose="020B0004020202020204" pitchFamily="34" charset="0"/>
-                <a:ea typeface="Times New Roman" panose="02020603050405020304" pitchFamily="18" charset="0"/>
-              </a:rPr>
-              <a:t>Costo de Almacenamiento : </a:t>
-            </a:r>
-            <a:r>
-              <a:rPr lang="es-PE" sz="1800" dirty="0">
-                <a:effectLst/>
-                <a:latin typeface="Aptos" panose="020B0004020202020204" pitchFamily="34" charset="0"/>
-                <a:ea typeface="Aptos" panose="020B0004020202020204" pitchFamily="34" charset="0"/>
-                <a:cs typeface="Times New Roman" panose="02020603050405020304" pitchFamily="18" charset="0"/>
-              </a:rPr>
-              <a:t>El costo total asociado al almacenamiento de productos</a:t>
-            </a:r>
-            <a:endParaRPr lang="es-PE" sz="1800" dirty="0">
-              <a:latin typeface="Aptos" panose="020B0004020202020204" pitchFamily="34" charset="0"/>
-              <a:ea typeface="Times New Roman" panose="02020603050405020304" pitchFamily="18" charset="0"/>
-              <a:cs typeface="Times New Roman" panose="02020603050405020304" pitchFamily="18" charset="0"/>
-            </a:endParaRPr>
           </a:p>
           <a:p>
             <a:r>

--- a/doc/Grupo 4, Sistema de Control de Inventarios.pptx
+++ b/doc/Grupo 4, Sistema de Control de Inventarios.pptx
@@ -305,7 +305,7 @@
           <a:p>
             <a:fld id="{91046BC0-DF53-4F10-94E4-764998449655}" type="datetimeFigureOut">
               <a:rPr lang="es-PE" smtClean="0"/>
-              <a:t>18/11/2024</a:t>
+              <a:t>2/12/2024</a:t>
             </a:fld>
             <a:endParaRPr lang="es-PE"/>
           </a:p>
@@ -643,7 +643,7 @@
           <a:p>
             <a:fld id="{91046BC0-DF53-4F10-94E4-764998449655}" type="datetimeFigureOut">
               <a:rPr lang="es-PE" smtClean="0"/>
-              <a:t>18/11/2024</a:t>
+              <a:t>2/12/2024</a:t>
             </a:fld>
             <a:endParaRPr lang="es-PE"/>
           </a:p>
@@ -1044,7 +1044,7 @@
           <a:p>
             <a:fld id="{91046BC0-DF53-4F10-94E4-764998449655}" type="datetimeFigureOut">
               <a:rPr lang="es-PE" smtClean="0"/>
-              <a:t>18/11/2024</a:t>
+              <a:t>2/12/2024</a:t>
             </a:fld>
             <a:endParaRPr lang="es-PE"/>
           </a:p>
@@ -1380,7 +1380,7 @@
           <a:p>
             <a:fld id="{91046BC0-DF53-4F10-94E4-764998449655}" type="datetimeFigureOut">
               <a:rPr lang="es-PE" smtClean="0"/>
-              <a:t>18/11/2024</a:t>
+              <a:t>2/12/2024</a:t>
             </a:fld>
             <a:endParaRPr lang="es-PE"/>
           </a:p>
@@ -1700,7 +1700,7 @@
           <a:p>
             <a:fld id="{91046BC0-DF53-4F10-94E4-764998449655}" type="datetimeFigureOut">
               <a:rPr lang="es-PE" smtClean="0"/>
-              <a:t>18/11/2024</a:t>
+              <a:t>2/12/2024</a:t>
             </a:fld>
             <a:endParaRPr lang="es-PE"/>
           </a:p>
@@ -2096,7 +2096,7 @@
           <a:p>
             <a:fld id="{91046BC0-DF53-4F10-94E4-764998449655}" type="datetimeFigureOut">
               <a:rPr lang="es-PE" smtClean="0"/>
-              <a:t>18/11/2024</a:t>
+              <a:t>2/12/2024</a:t>
             </a:fld>
             <a:endParaRPr lang="es-PE"/>
           </a:p>
@@ -2353,7 +2353,7 @@
           <a:p>
             <a:fld id="{91046BC0-DF53-4F10-94E4-764998449655}" type="datetimeFigureOut">
               <a:rPr lang="es-PE" smtClean="0"/>
-              <a:t>18/11/2024</a:t>
+              <a:t>2/12/2024</a:t>
             </a:fld>
             <a:endParaRPr lang="es-PE"/>
           </a:p>
@@ -2615,7 +2615,7 @@
           <a:p>
             <a:fld id="{91046BC0-DF53-4F10-94E4-764998449655}" type="datetimeFigureOut">
               <a:rPr lang="es-PE" smtClean="0"/>
-              <a:t>18/11/2024</a:t>
+              <a:t>2/12/2024</a:t>
             </a:fld>
             <a:endParaRPr lang="es-PE"/>
           </a:p>
@@ -2877,7 +2877,7 @@
           <a:p>
             <a:fld id="{91046BC0-DF53-4F10-94E4-764998449655}" type="datetimeFigureOut">
               <a:rPr lang="es-PE" smtClean="0"/>
-              <a:t>18/11/2024</a:t>
+              <a:t>2/12/2024</a:t>
             </a:fld>
             <a:endParaRPr lang="es-PE"/>
           </a:p>
@@ -3206,7 +3206,7 @@
           <a:p>
             <a:fld id="{91046BC0-DF53-4F10-94E4-764998449655}" type="datetimeFigureOut">
               <a:rPr lang="es-PE" smtClean="0"/>
-              <a:t>18/11/2024</a:t>
+              <a:t>2/12/2024</a:t>
             </a:fld>
             <a:endParaRPr lang="es-PE"/>
           </a:p>
@@ -3529,7 +3529,7 @@
           <a:p>
             <a:fld id="{91046BC0-DF53-4F10-94E4-764998449655}" type="datetimeFigureOut">
               <a:rPr lang="es-PE" smtClean="0"/>
-              <a:t>18/11/2024</a:t>
+              <a:t>2/12/2024</a:t>
             </a:fld>
             <a:endParaRPr lang="es-PE"/>
           </a:p>
@@ -3986,7 +3986,7 @@
           <a:p>
             <a:fld id="{91046BC0-DF53-4F10-94E4-764998449655}" type="datetimeFigureOut">
               <a:rPr lang="es-PE" smtClean="0"/>
-              <a:t>18/11/2024</a:t>
+              <a:t>2/12/2024</a:t>
             </a:fld>
             <a:endParaRPr lang="es-PE"/>
           </a:p>
@@ -4191,7 +4191,7 @@
           <a:p>
             <a:fld id="{91046BC0-DF53-4F10-94E4-764998449655}" type="datetimeFigureOut">
               <a:rPr lang="es-PE" smtClean="0"/>
-              <a:t>18/11/2024</a:t>
+              <a:t>2/12/2024</a:t>
             </a:fld>
             <a:endParaRPr lang="es-PE"/>
           </a:p>
@@ -4368,7 +4368,7 @@
           <a:p>
             <a:fld id="{91046BC0-DF53-4F10-94E4-764998449655}" type="datetimeFigureOut">
               <a:rPr lang="es-PE" smtClean="0"/>
-              <a:t>18/11/2024</a:t>
+              <a:t>2/12/2024</a:t>
             </a:fld>
             <a:endParaRPr lang="es-PE"/>
           </a:p>
@@ -4701,7 +4701,7 @@
           <a:p>
             <a:fld id="{91046BC0-DF53-4F10-94E4-764998449655}" type="datetimeFigureOut">
               <a:rPr lang="es-PE" smtClean="0"/>
-              <a:t>18/11/2024</a:t>
+              <a:t>2/12/2024</a:t>
             </a:fld>
             <a:endParaRPr lang="es-PE"/>
           </a:p>
@@ -5046,7 +5046,7 @@
           <a:p>
             <a:fld id="{91046BC0-DF53-4F10-94E4-764998449655}" type="datetimeFigureOut">
               <a:rPr lang="es-PE" smtClean="0"/>
-              <a:t>18/11/2024</a:t>
+              <a:t>2/12/2024</a:t>
             </a:fld>
             <a:endParaRPr lang="es-PE"/>
           </a:p>
@@ -7163,7 +7163,7 @@
           <a:p>
             <a:fld id="{91046BC0-DF53-4F10-94E4-764998449655}" type="datetimeFigureOut">
               <a:rPr lang="es-PE" smtClean="0"/>
-              <a:t>18/11/2024</a:t>
+              <a:t>2/12/2024</a:t>
             </a:fld>
             <a:endParaRPr lang="es-PE"/>
           </a:p>
@@ -8673,10 +8673,10 @@
       </p:sp>
       <p:pic>
         <p:nvPicPr>
-          <p:cNvPr id="5" name="Imagen 4" descr="Diagrama&#10;&#10;Descripción generada automáticamente">
+          <p:cNvPr id="6" name="Imagen 5">
             <a:extLst>
               <a:ext uri="{FF2B5EF4-FFF2-40B4-BE49-F238E27FC236}">
-                <a16:creationId xmlns:a16="http://schemas.microsoft.com/office/drawing/2014/main" id="{6065A4EA-0431-3E9A-A222-76D42F5E9F64}"/>
+                <a16:creationId xmlns:a16="http://schemas.microsoft.com/office/drawing/2014/main" id="{8988AD94-3F1C-4C18-A0D4-54C4EC1BE0D9}"/>
               </a:ext>
             </a:extLst>
           </p:cNvPr>
@@ -8686,21 +8686,15 @@
           <p:nvPr/>
         </p:nvPicPr>
         <p:blipFill>
-          <a:blip r:embed="rId2">
-            <a:extLst>
-              <a:ext uri="{28A0092B-C50C-407E-A947-70E740481C1C}">
-                <a14:useLocalDpi xmlns:a14="http://schemas.microsoft.com/office/drawing/2010/main" val="0"/>
-              </a:ext>
-            </a:extLst>
-          </a:blip>
+          <a:blip r:embed="rId2"/>
           <a:stretch>
             <a:fillRect/>
           </a:stretch>
         </p:blipFill>
         <p:spPr>
           <a:xfrm>
-            <a:off x="4131134" y="1264555"/>
-            <a:ext cx="7651342" cy="5370240"/>
+            <a:off x="4975052" y="1626627"/>
+            <a:ext cx="5858665" cy="4661163"/>
           </a:xfrm>
           <a:prstGeom prst="rect">
             <a:avLst/>
